--- a/Test Driven Development/materials/pptx/12. TDD-Anti-Patterns.pptx
+++ b/Test Driven Development/materials/pptx/12. TDD-Anti-Patterns.pptx
@@ -237,7 +237,7 @@
           <a:p>
             <a:fld id="{B946ECE3-FD69-FE4C-B5B3-E9526994F809}" type="datetimeFigureOut">
               <a:rPr lang="en-US" smtClean="0"/>
-              <a:t>11/12/12</a:t>
+              <a:t>12/21/12</a:t>
             </a:fld>
             <a:endParaRPr lang="en-US"/>
           </a:p>
@@ -6253,7 +6253,7 @@
           <a:p>
             <a:fld id="{7793EDCB-5B64-3143-AFED-AA1357A092FA}" type="datetimeFigureOut">
               <a:rPr lang="en-US" smtClean="0"/>
-              <a:t>11/12/12</a:t>
+              <a:t>12/21/12</a:t>
             </a:fld>
             <a:endParaRPr lang="en-US"/>
           </a:p>
@@ -6423,7 +6423,7 @@
           <a:p>
             <a:fld id="{7793EDCB-5B64-3143-AFED-AA1357A092FA}" type="datetimeFigureOut">
               <a:rPr lang="en-US" smtClean="0"/>
-              <a:t>11/12/12</a:t>
+              <a:t>12/21/12</a:t>
             </a:fld>
             <a:endParaRPr lang="en-US"/>
           </a:p>
@@ -6603,7 +6603,7 @@
           <a:p>
             <a:fld id="{7793EDCB-5B64-3143-AFED-AA1357A092FA}" type="datetimeFigureOut">
               <a:rPr lang="en-US" smtClean="0"/>
-              <a:t>11/12/12</a:t>
+              <a:t>12/21/12</a:t>
             </a:fld>
             <a:endParaRPr lang="en-US"/>
           </a:p>
@@ -9646,7 +9646,7 @@
           <a:p>
             <a:fld id="{7793EDCB-5B64-3143-AFED-AA1357A092FA}" type="datetimeFigureOut">
               <a:rPr lang="en-US" smtClean="0"/>
-              <a:t>11/12/12</a:t>
+              <a:t>12/21/12</a:t>
             </a:fld>
             <a:endParaRPr lang="en-US"/>
           </a:p>
@@ -12338,7 +12338,7 @@
                   <a:spcPct val="0"/>
                 </a:spcAft>
               </a:pPr>
-              <a:t>11/12/12</a:t>
+              <a:t>12/21/12</a:t>
             </a:fld>
             <a:endParaRPr lang="ru-RU">
               <a:solidFill>
@@ -12699,7 +12699,7 @@
           <a:p>
             <a:fld id="{7793EDCB-5B64-3143-AFED-AA1357A092FA}" type="datetimeFigureOut">
               <a:rPr lang="en-US" smtClean="0"/>
-              <a:t>11/12/12</a:t>
+              <a:t>12/21/12</a:t>
             </a:fld>
             <a:endParaRPr lang="en-US"/>
           </a:p>
@@ -17669,7 +17669,7 @@
           <a:p>
             <a:fld id="{7793EDCB-5B64-3143-AFED-AA1357A092FA}" type="datetimeFigureOut">
               <a:rPr lang="en-US" smtClean="0"/>
-              <a:t>11/12/12</a:t>
+              <a:t>12/21/12</a:t>
             </a:fld>
             <a:endParaRPr lang="en-US"/>
           </a:p>
@@ -19058,7 +19058,7 @@
           <a:p>
             <a:fld id="{7793EDCB-5B64-3143-AFED-AA1357A092FA}" type="datetimeFigureOut">
               <a:rPr lang="en-US" smtClean="0"/>
-              <a:t>11/12/12</a:t>
+              <a:t>12/21/12</a:t>
             </a:fld>
             <a:endParaRPr lang="en-US"/>
           </a:p>
@@ -19176,7 +19176,7 @@
           <a:p>
             <a:fld id="{7793EDCB-5B64-3143-AFED-AA1357A092FA}" type="datetimeFigureOut">
               <a:rPr lang="en-US" smtClean="0"/>
-              <a:t>11/12/12</a:t>
+              <a:t>12/21/12</a:t>
             </a:fld>
             <a:endParaRPr lang="en-US"/>
           </a:p>
@@ -19271,7 +19271,7 @@
           <a:p>
             <a:fld id="{7793EDCB-5B64-3143-AFED-AA1357A092FA}" type="datetimeFigureOut">
               <a:rPr lang="en-US" smtClean="0"/>
-              <a:t>11/12/12</a:t>
+              <a:t>12/21/12</a:t>
             </a:fld>
             <a:endParaRPr lang="en-US"/>
           </a:p>
@@ -19548,7 +19548,7 @@
           <a:p>
             <a:fld id="{7793EDCB-5B64-3143-AFED-AA1357A092FA}" type="datetimeFigureOut">
               <a:rPr lang="en-US" smtClean="0"/>
-              <a:t>11/12/12</a:t>
+              <a:t>12/21/12</a:t>
             </a:fld>
             <a:endParaRPr lang="en-US"/>
           </a:p>
@@ -19801,7 +19801,7 @@
           <a:p>
             <a:fld id="{7793EDCB-5B64-3143-AFED-AA1357A092FA}" type="datetimeFigureOut">
               <a:rPr lang="en-US" smtClean="0"/>
-              <a:t>11/12/12</a:t>
+              <a:t>12/21/12</a:t>
             </a:fld>
             <a:endParaRPr lang="en-US"/>
           </a:p>
@@ -20014,7 +20014,7 @@
           <a:p>
             <a:fld id="{7793EDCB-5B64-3143-AFED-AA1357A092FA}" type="datetimeFigureOut">
               <a:rPr lang="en-US" smtClean="0"/>
-              <a:t>11/12/12</a:t>
+              <a:t>12/21/12</a:t>
             </a:fld>
             <a:endParaRPr lang="en-US"/>
           </a:p>
